--- a/Leon-Office/桌面背景.pptx
+++ b/Leon-Office/桌面背景.pptx
@@ -8,13 +8,18 @@
     <p:notesMasterId r:id="rId4"/>
   </p:notesMasterIdLst>
   <p:handoutMasterIdLst>
-    <p:handoutMasterId r:id="rId5"/>
+    <p:handoutMasterId r:id="rId7"/>
   </p:handoutMasterIdLst>
   <p:sldIdLst>
     <p:sldId id="256" r:id="rId3"/>
+    <p:sldId id="257" r:id="rId5"/>
+    <p:sldId id="258" r:id="rId6"/>
   </p:sldIdLst>
   <p:sldSz cx="12192000" cy="6858000"/>
   <p:notesSz cx="6858000" cy="9144000"/>
+  <p:custDataLst>
+    <p:tags r:id="rId11"/>
+  </p:custDataLst>
   <p:defaultTextStyle>
     <a:defPPr>
       <a:defRPr lang="zh-CN"/>
@@ -5013,6 +5018,1236 @@
 </p:sld>
 </file>
 
+<file path=ppt/slides/slide2.xml><?xml version="1.0" encoding="utf-8"?>
+<p:sld xmlns:a="http://schemas.openxmlformats.org/drawingml/2006/main" xmlns:r="http://schemas.openxmlformats.org/officeDocument/2006/relationships" xmlns:p="http://schemas.openxmlformats.org/presentationml/2006/main">
+  <p:cSld>
+    <p:spTree>
+      <p:nvGrpSpPr>
+        <p:cNvPr id="1" name=""/>
+        <p:cNvGrpSpPr/>
+        <p:nvPr/>
+      </p:nvGrpSpPr>
+      <p:grpSpPr/>
+      <p:pic>
+        <p:nvPicPr>
+          <p:cNvPr id="8" name="图片 7"/>
+          <p:cNvPicPr>
+            <a:picLocks noChangeAspect="1"/>
+          </p:cNvPicPr>
+          <p:nvPr/>
+        </p:nvPicPr>
+        <p:blipFill>
+          <a:blip r:embed="rId1"/>
+          <a:stretch>
+            <a:fillRect/>
+          </a:stretch>
+        </p:blipFill>
+        <p:spPr>
+          <a:xfrm>
+            <a:off x="-3048000" y="-1714500"/>
+            <a:ext cx="18288000" cy="10287000"/>
+          </a:xfrm>
+          <a:prstGeom prst="rect">
+            <a:avLst/>
+          </a:prstGeom>
+        </p:spPr>
+      </p:pic>
+      <p:cxnSp>
+        <p:nvCxnSpPr>
+          <p:cNvPr id="9" name="直接连接符 8"/>
+          <p:cNvCxnSpPr/>
+          <p:nvPr/>
+        </p:nvCxnSpPr>
+        <p:spPr>
+          <a:xfrm flipV="1">
+            <a:off x="-3048000" y="-1734185"/>
+            <a:ext cx="7496175" cy="19685"/>
+          </a:xfrm>
+          <a:prstGeom prst="line">
+            <a:avLst/>
+          </a:prstGeom>
+          <a:ln w="57150"/>
+        </p:spPr>
+        <p:style>
+          <a:lnRef idx="1">
+            <a:schemeClr val="accent1"/>
+          </a:lnRef>
+          <a:fillRef idx="0">
+            <a:schemeClr val="accent1"/>
+          </a:fillRef>
+          <a:effectRef idx="0">
+            <a:schemeClr val="accent1"/>
+          </a:effectRef>
+          <a:fontRef idx="minor">
+            <a:schemeClr val="tx1"/>
+          </a:fontRef>
+        </p:style>
+      </p:cxnSp>
+      <p:cxnSp>
+        <p:nvCxnSpPr>
+          <p:cNvPr id="11" name="直接连接符 10"/>
+          <p:cNvCxnSpPr/>
+          <p:nvPr/>
+        </p:nvCxnSpPr>
+        <p:spPr>
+          <a:xfrm flipV="1">
+            <a:off x="-3048000" y="8552815"/>
+            <a:ext cx="7496175" cy="19685"/>
+          </a:xfrm>
+          <a:prstGeom prst="line">
+            <a:avLst/>
+          </a:prstGeom>
+          <a:ln w="57150"/>
+        </p:spPr>
+        <p:style>
+          <a:lnRef idx="1">
+            <a:schemeClr val="accent1"/>
+          </a:lnRef>
+          <a:fillRef idx="0">
+            <a:schemeClr val="accent1"/>
+          </a:fillRef>
+          <a:effectRef idx="0">
+            <a:schemeClr val="accent1"/>
+          </a:effectRef>
+          <a:fontRef idx="minor">
+            <a:schemeClr val="tx1"/>
+          </a:fontRef>
+        </p:style>
+      </p:cxnSp>
+      <p:cxnSp>
+        <p:nvCxnSpPr>
+          <p:cNvPr id="16" name="直接连接符 15"/>
+          <p:cNvCxnSpPr/>
+          <p:nvPr/>
+        </p:nvCxnSpPr>
+        <p:spPr>
+          <a:xfrm flipV="1">
+            <a:off x="-3048000" y="-292100"/>
+            <a:ext cx="7496175" cy="19685"/>
+          </a:xfrm>
+          <a:prstGeom prst="line">
+            <a:avLst/>
+          </a:prstGeom>
+          <a:ln w="57150"/>
+        </p:spPr>
+        <p:style>
+          <a:lnRef idx="1">
+            <a:schemeClr val="accent1"/>
+          </a:lnRef>
+          <a:fillRef idx="0">
+            <a:schemeClr val="accent1"/>
+          </a:fillRef>
+          <a:effectRef idx="0">
+            <a:schemeClr val="accent1"/>
+          </a:effectRef>
+          <a:fontRef idx="minor">
+            <a:schemeClr val="tx1"/>
+          </a:fontRef>
+        </p:style>
+      </p:cxnSp>
+      <p:cxnSp>
+        <p:nvCxnSpPr>
+          <p:cNvPr id="17" name="直接连接符 16"/>
+          <p:cNvCxnSpPr/>
+          <p:nvPr/>
+        </p:nvCxnSpPr>
+        <p:spPr>
+          <a:xfrm flipV="1">
+            <a:off x="-3048000" y="2514600"/>
+            <a:ext cx="7496175" cy="19685"/>
+          </a:xfrm>
+          <a:prstGeom prst="line">
+            <a:avLst/>
+          </a:prstGeom>
+          <a:ln w="57150"/>
+        </p:spPr>
+        <p:style>
+          <a:lnRef idx="1">
+            <a:schemeClr val="accent1"/>
+          </a:lnRef>
+          <a:fillRef idx="0">
+            <a:schemeClr val="accent1"/>
+          </a:fillRef>
+          <a:effectRef idx="0">
+            <a:schemeClr val="accent1"/>
+          </a:effectRef>
+          <a:fontRef idx="minor">
+            <a:schemeClr val="tx1"/>
+          </a:fontRef>
+        </p:style>
+      </p:cxnSp>
+      <p:cxnSp>
+        <p:nvCxnSpPr>
+          <p:cNvPr id="18" name="直接连接符 17"/>
+          <p:cNvCxnSpPr/>
+          <p:nvPr/>
+        </p:nvCxnSpPr>
+        <p:spPr>
+          <a:xfrm flipV="1">
+            <a:off x="-3048000" y="5321300"/>
+            <a:ext cx="7496175" cy="19685"/>
+          </a:xfrm>
+          <a:prstGeom prst="line">
+            <a:avLst/>
+          </a:prstGeom>
+          <a:ln w="57150"/>
+        </p:spPr>
+        <p:style>
+          <a:lnRef idx="1">
+            <a:schemeClr val="accent1"/>
+          </a:lnRef>
+          <a:fillRef idx="0">
+            <a:schemeClr val="accent1"/>
+          </a:fillRef>
+          <a:effectRef idx="0">
+            <a:schemeClr val="accent1"/>
+          </a:effectRef>
+          <a:fontRef idx="minor">
+            <a:schemeClr val="tx1"/>
+          </a:fontRef>
+        </p:style>
+      </p:cxnSp>
+      <p:cxnSp>
+        <p:nvCxnSpPr>
+          <p:cNvPr id="22" name="直接连接符 21"/>
+          <p:cNvCxnSpPr/>
+          <p:nvPr/>
+        </p:nvCxnSpPr>
+        <p:spPr>
+          <a:xfrm flipV="1">
+            <a:off x="-3048000" y="1149985"/>
+            <a:ext cx="7496175" cy="19685"/>
+          </a:xfrm>
+          <a:prstGeom prst="line">
+            <a:avLst/>
+          </a:prstGeom>
+          <a:ln w="57150"/>
+        </p:spPr>
+        <p:style>
+          <a:lnRef idx="1">
+            <a:schemeClr val="accent1"/>
+          </a:lnRef>
+          <a:fillRef idx="0">
+            <a:schemeClr val="accent1"/>
+          </a:fillRef>
+          <a:effectRef idx="0">
+            <a:schemeClr val="accent1"/>
+          </a:effectRef>
+          <a:fontRef idx="minor">
+            <a:schemeClr val="tx1"/>
+          </a:fontRef>
+        </p:style>
+      </p:cxnSp>
+      <p:cxnSp>
+        <p:nvCxnSpPr>
+          <p:cNvPr id="23" name="直接连接符 22"/>
+          <p:cNvCxnSpPr/>
+          <p:nvPr/>
+        </p:nvCxnSpPr>
+        <p:spPr>
+          <a:xfrm flipV="1">
+            <a:off x="-3048000" y="3995420"/>
+            <a:ext cx="7496175" cy="19685"/>
+          </a:xfrm>
+          <a:prstGeom prst="line">
+            <a:avLst/>
+          </a:prstGeom>
+          <a:ln w="57150"/>
+        </p:spPr>
+        <p:style>
+          <a:lnRef idx="1">
+            <a:schemeClr val="accent1"/>
+          </a:lnRef>
+          <a:fillRef idx="0">
+            <a:schemeClr val="accent1"/>
+          </a:fillRef>
+          <a:effectRef idx="0">
+            <a:schemeClr val="accent1"/>
+          </a:effectRef>
+          <a:fontRef idx="minor">
+            <a:schemeClr val="tx1"/>
+          </a:fontRef>
+        </p:style>
+      </p:cxnSp>
+      <p:cxnSp>
+        <p:nvCxnSpPr>
+          <p:cNvPr id="24" name="直接连接符 23"/>
+          <p:cNvCxnSpPr/>
+          <p:nvPr/>
+        </p:nvCxnSpPr>
+        <p:spPr>
+          <a:xfrm flipV="1">
+            <a:off x="-3048000" y="6841490"/>
+            <a:ext cx="7496175" cy="19685"/>
+          </a:xfrm>
+          <a:prstGeom prst="line">
+            <a:avLst/>
+          </a:prstGeom>
+          <a:ln w="57150"/>
+        </p:spPr>
+        <p:style>
+          <a:lnRef idx="1">
+            <a:schemeClr val="accent1"/>
+          </a:lnRef>
+          <a:fillRef idx="0">
+            <a:schemeClr val="accent1"/>
+          </a:fillRef>
+          <a:effectRef idx="0">
+            <a:schemeClr val="accent1"/>
+          </a:effectRef>
+          <a:fontRef idx="minor">
+            <a:schemeClr val="tx1"/>
+          </a:fontRef>
+        </p:style>
+      </p:cxnSp>
+      <p:cxnSp>
+        <p:nvCxnSpPr>
+          <p:cNvPr id="27" name="直接连接符 26"/>
+          <p:cNvCxnSpPr/>
+          <p:nvPr/>
+        </p:nvCxnSpPr>
+        <p:spPr>
+          <a:xfrm flipV="1">
+            <a:off x="7743825" y="3255645"/>
+            <a:ext cx="7496175" cy="19685"/>
+          </a:xfrm>
+          <a:prstGeom prst="line">
+            <a:avLst/>
+          </a:prstGeom>
+          <a:ln w="130175"/>
+        </p:spPr>
+        <p:style>
+          <a:lnRef idx="1">
+            <a:schemeClr val="accent1"/>
+          </a:lnRef>
+          <a:fillRef idx="0">
+            <a:schemeClr val="accent1"/>
+          </a:fillRef>
+          <a:effectRef idx="0">
+            <a:schemeClr val="accent1"/>
+          </a:effectRef>
+          <a:fontRef idx="minor">
+            <a:schemeClr val="tx1"/>
+          </a:fontRef>
+        </p:style>
+      </p:cxnSp>
+      <p:cxnSp>
+        <p:nvCxnSpPr>
+          <p:cNvPr id="28" name="直接连接符 27"/>
+          <p:cNvCxnSpPr/>
+          <p:nvPr/>
+        </p:nvCxnSpPr>
+        <p:spPr>
+          <a:xfrm flipV="1">
+            <a:off x="9439275" y="5340985"/>
+            <a:ext cx="5800725" cy="1905"/>
+          </a:xfrm>
+          <a:prstGeom prst="line">
+            <a:avLst/>
+          </a:prstGeom>
+          <a:ln w="57150"/>
+        </p:spPr>
+        <p:style>
+          <a:lnRef idx="1">
+            <a:schemeClr val="accent1"/>
+          </a:lnRef>
+          <a:fillRef idx="0">
+            <a:schemeClr val="accent1"/>
+          </a:fillRef>
+          <a:effectRef idx="0">
+            <a:schemeClr val="accent1"/>
+          </a:effectRef>
+          <a:fontRef idx="minor">
+            <a:schemeClr val="tx1"/>
+          </a:fontRef>
+        </p:style>
+      </p:cxnSp>
+      <p:cxnSp>
+        <p:nvCxnSpPr>
+          <p:cNvPr id="29" name="直接连接符 28"/>
+          <p:cNvCxnSpPr/>
+          <p:nvPr/>
+        </p:nvCxnSpPr>
+        <p:spPr>
+          <a:xfrm flipV="1">
+            <a:off x="9439275" y="1143635"/>
+            <a:ext cx="5800725" cy="1905"/>
+          </a:xfrm>
+          <a:prstGeom prst="line">
+            <a:avLst/>
+          </a:prstGeom>
+          <a:ln w="57150"/>
+        </p:spPr>
+        <p:style>
+          <a:lnRef idx="1">
+            <a:schemeClr val="accent1"/>
+          </a:lnRef>
+          <a:fillRef idx="0">
+            <a:schemeClr val="accent1"/>
+          </a:fillRef>
+          <a:effectRef idx="0">
+            <a:schemeClr val="accent1"/>
+          </a:effectRef>
+          <a:fontRef idx="minor">
+            <a:schemeClr val="tx1"/>
+          </a:fontRef>
+        </p:style>
+      </p:cxnSp>
+      <p:cxnSp>
+        <p:nvCxnSpPr>
+          <p:cNvPr id="30" name="直接连接符 29"/>
+          <p:cNvCxnSpPr/>
+          <p:nvPr/>
+        </p:nvCxnSpPr>
+        <p:spPr>
+          <a:xfrm flipV="1">
+            <a:off x="9439275" y="6839585"/>
+            <a:ext cx="5800725" cy="1905"/>
+          </a:xfrm>
+          <a:prstGeom prst="line">
+            <a:avLst/>
+          </a:prstGeom>
+          <a:ln w="57150"/>
+        </p:spPr>
+        <p:style>
+          <a:lnRef idx="1">
+            <a:schemeClr val="accent1"/>
+          </a:lnRef>
+          <a:fillRef idx="0">
+            <a:schemeClr val="accent1"/>
+          </a:fillRef>
+          <a:effectRef idx="0">
+            <a:schemeClr val="accent1"/>
+          </a:effectRef>
+          <a:fontRef idx="minor">
+            <a:schemeClr val="tx1"/>
+          </a:fontRef>
+        </p:style>
+      </p:cxnSp>
+      <p:cxnSp>
+        <p:nvCxnSpPr>
+          <p:cNvPr id="31" name="直接连接符 30"/>
+          <p:cNvCxnSpPr/>
+          <p:nvPr/>
+        </p:nvCxnSpPr>
+        <p:spPr>
+          <a:xfrm flipV="1">
+            <a:off x="9439275" y="-272415"/>
+            <a:ext cx="5800725" cy="1905"/>
+          </a:xfrm>
+          <a:prstGeom prst="line">
+            <a:avLst/>
+          </a:prstGeom>
+          <a:ln w="57150"/>
+        </p:spPr>
+        <p:style>
+          <a:lnRef idx="1">
+            <a:schemeClr val="accent1"/>
+          </a:lnRef>
+          <a:fillRef idx="0">
+            <a:schemeClr val="accent1"/>
+          </a:fillRef>
+          <a:effectRef idx="0">
+            <a:schemeClr val="accent1"/>
+          </a:effectRef>
+          <a:fontRef idx="minor">
+            <a:schemeClr val="tx1"/>
+          </a:fontRef>
+        </p:style>
+      </p:cxnSp>
+    </p:spTree>
+    <p:custDataLst>
+      <p:tags r:id="rId2"/>
+    </p:custDataLst>
+  </p:cSld>
+  <p:clrMapOvr>
+    <a:masterClrMapping/>
+  </p:clrMapOvr>
+</p:sld>
+</file>
+
+<file path=ppt/slides/slide3.xml><?xml version="1.0" encoding="utf-8"?>
+<p:sld xmlns:a="http://schemas.openxmlformats.org/drawingml/2006/main" xmlns:r="http://schemas.openxmlformats.org/officeDocument/2006/relationships" xmlns:p="http://schemas.openxmlformats.org/presentationml/2006/main">
+  <p:cSld>
+    <p:spTree>
+      <p:nvGrpSpPr>
+        <p:cNvPr id="1" name=""/>
+        <p:cNvGrpSpPr/>
+        <p:nvPr/>
+      </p:nvGrpSpPr>
+      <p:grpSpPr/>
+      <p:pic>
+        <p:nvPicPr>
+          <p:cNvPr id="12" name="图片 11" descr="back"/>
+          <p:cNvPicPr>
+            <a:picLocks noChangeAspect="1"/>
+          </p:cNvPicPr>
+          <p:nvPr/>
+        </p:nvPicPr>
+        <p:blipFill>
+          <a:blip r:embed="rId1"/>
+          <a:stretch>
+            <a:fillRect/>
+          </a:stretch>
+        </p:blipFill>
+        <p:spPr>
+          <a:xfrm>
+            <a:off x="-3048000" y="-1714500"/>
+            <a:ext cx="18272760" cy="10287000"/>
+          </a:xfrm>
+          <a:prstGeom prst="rect">
+            <a:avLst/>
+          </a:prstGeom>
+        </p:spPr>
+      </p:pic>
+      <p:cxnSp>
+        <p:nvCxnSpPr>
+          <p:cNvPr id="16" name="直接连接符 15"/>
+          <p:cNvCxnSpPr/>
+          <p:nvPr/>
+        </p:nvCxnSpPr>
+        <p:spPr>
+          <a:xfrm flipV="1">
+            <a:off x="-3048000" y="-425450"/>
+            <a:ext cx="7496175" cy="19685"/>
+          </a:xfrm>
+          <a:prstGeom prst="line">
+            <a:avLst/>
+          </a:prstGeom>
+          <a:ln w="57150"/>
+        </p:spPr>
+        <p:style>
+          <a:lnRef idx="1">
+            <a:schemeClr val="accent1"/>
+          </a:lnRef>
+          <a:fillRef idx="0">
+            <a:schemeClr val="accent1"/>
+          </a:fillRef>
+          <a:effectRef idx="0">
+            <a:schemeClr val="accent1"/>
+          </a:effectRef>
+          <a:fontRef idx="minor">
+            <a:schemeClr val="tx1"/>
+          </a:fontRef>
+        </p:style>
+      </p:cxnSp>
+      <p:cxnSp>
+        <p:nvCxnSpPr>
+          <p:cNvPr id="17" name="直接连接符 16"/>
+          <p:cNvCxnSpPr/>
+          <p:nvPr/>
+        </p:nvCxnSpPr>
+        <p:spPr>
+          <a:xfrm flipV="1">
+            <a:off x="-3048000" y="2447925"/>
+            <a:ext cx="7496175" cy="19685"/>
+          </a:xfrm>
+          <a:prstGeom prst="line">
+            <a:avLst/>
+          </a:prstGeom>
+          <a:ln w="57150"/>
+        </p:spPr>
+        <p:style>
+          <a:lnRef idx="1">
+            <a:schemeClr val="accent1"/>
+          </a:lnRef>
+          <a:fillRef idx="0">
+            <a:schemeClr val="accent1"/>
+          </a:fillRef>
+          <a:effectRef idx="0">
+            <a:schemeClr val="accent1"/>
+          </a:effectRef>
+          <a:fontRef idx="minor">
+            <a:schemeClr val="tx1"/>
+          </a:fontRef>
+        </p:style>
+      </p:cxnSp>
+      <p:cxnSp>
+        <p:nvCxnSpPr>
+          <p:cNvPr id="18" name="直接连接符 17"/>
+          <p:cNvCxnSpPr/>
+          <p:nvPr/>
+        </p:nvCxnSpPr>
+        <p:spPr>
+          <a:xfrm flipV="1">
+            <a:off x="-3048000" y="5321300"/>
+            <a:ext cx="7496175" cy="19685"/>
+          </a:xfrm>
+          <a:prstGeom prst="line">
+            <a:avLst/>
+          </a:prstGeom>
+          <a:ln w="57150"/>
+        </p:spPr>
+        <p:style>
+          <a:lnRef idx="1">
+            <a:schemeClr val="accent1"/>
+          </a:lnRef>
+          <a:fillRef idx="0">
+            <a:schemeClr val="accent1"/>
+          </a:fillRef>
+          <a:effectRef idx="0">
+            <a:schemeClr val="accent1"/>
+          </a:effectRef>
+          <a:fontRef idx="minor">
+            <a:schemeClr val="tx1"/>
+          </a:fontRef>
+        </p:style>
+      </p:cxnSp>
+      <p:cxnSp>
+        <p:nvCxnSpPr>
+          <p:cNvPr id="22" name="直接连接符 21"/>
+          <p:cNvCxnSpPr/>
+          <p:nvPr/>
+        </p:nvCxnSpPr>
+        <p:spPr>
+          <a:xfrm flipV="1">
+            <a:off x="-3048000" y="1033780"/>
+            <a:ext cx="7496175" cy="19685"/>
+          </a:xfrm>
+          <a:prstGeom prst="line">
+            <a:avLst/>
+          </a:prstGeom>
+          <a:ln w="57150"/>
+        </p:spPr>
+        <p:style>
+          <a:lnRef idx="1">
+            <a:schemeClr val="accent1"/>
+          </a:lnRef>
+          <a:fillRef idx="0">
+            <a:schemeClr val="accent1"/>
+          </a:fillRef>
+          <a:effectRef idx="0">
+            <a:schemeClr val="accent1"/>
+          </a:effectRef>
+          <a:fontRef idx="minor">
+            <a:schemeClr val="tx1"/>
+          </a:fontRef>
+        </p:style>
+      </p:cxnSp>
+      <p:cxnSp>
+        <p:nvCxnSpPr>
+          <p:cNvPr id="23" name="直接连接符 22"/>
+          <p:cNvCxnSpPr/>
+          <p:nvPr/>
+        </p:nvCxnSpPr>
+        <p:spPr>
+          <a:xfrm flipV="1">
+            <a:off x="-3048000" y="3884930"/>
+            <a:ext cx="7496175" cy="19685"/>
+          </a:xfrm>
+          <a:prstGeom prst="line">
+            <a:avLst/>
+          </a:prstGeom>
+          <a:ln w="57150"/>
+        </p:spPr>
+        <p:style>
+          <a:lnRef idx="1">
+            <a:schemeClr val="accent1"/>
+          </a:lnRef>
+          <a:fillRef idx="0">
+            <a:schemeClr val="accent1"/>
+          </a:fillRef>
+          <a:effectRef idx="0">
+            <a:schemeClr val="accent1"/>
+          </a:effectRef>
+          <a:fontRef idx="minor">
+            <a:schemeClr val="tx1"/>
+          </a:fontRef>
+        </p:style>
+      </p:cxnSp>
+      <p:cxnSp>
+        <p:nvCxnSpPr>
+          <p:cNvPr id="24" name="直接连接符 23"/>
+          <p:cNvCxnSpPr/>
+          <p:nvPr/>
+        </p:nvCxnSpPr>
+        <p:spPr>
+          <a:xfrm flipV="1">
+            <a:off x="-3048000" y="6757670"/>
+            <a:ext cx="7496175" cy="19685"/>
+          </a:xfrm>
+          <a:prstGeom prst="line">
+            <a:avLst/>
+          </a:prstGeom>
+          <a:ln w="57150"/>
+        </p:spPr>
+        <p:style>
+          <a:lnRef idx="1">
+            <a:schemeClr val="accent1"/>
+          </a:lnRef>
+          <a:fillRef idx="0">
+            <a:schemeClr val="accent1"/>
+          </a:fillRef>
+          <a:effectRef idx="0">
+            <a:schemeClr val="accent1"/>
+          </a:effectRef>
+          <a:fontRef idx="minor">
+            <a:schemeClr val="tx1"/>
+          </a:fontRef>
+        </p:style>
+      </p:cxnSp>
+      <p:cxnSp>
+        <p:nvCxnSpPr>
+          <p:cNvPr id="27" name="直接连接符 26"/>
+          <p:cNvCxnSpPr/>
+          <p:nvPr/>
+        </p:nvCxnSpPr>
+        <p:spPr>
+          <a:xfrm flipV="1">
+            <a:off x="7743825" y="3255645"/>
+            <a:ext cx="7496175" cy="19685"/>
+          </a:xfrm>
+          <a:prstGeom prst="line">
+            <a:avLst/>
+          </a:prstGeom>
+          <a:ln w="130175"/>
+        </p:spPr>
+        <p:style>
+          <a:lnRef idx="1">
+            <a:schemeClr val="accent1"/>
+          </a:lnRef>
+          <a:fillRef idx="0">
+            <a:schemeClr val="accent1"/>
+          </a:fillRef>
+          <a:effectRef idx="0">
+            <a:schemeClr val="accent1"/>
+          </a:effectRef>
+          <a:fontRef idx="minor">
+            <a:schemeClr val="tx1"/>
+          </a:fontRef>
+        </p:style>
+      </p:cxnSp>
+      <p:cxnSp>
+        <p:nvCxnSpPr>
+          <p:cNvPr id="28" name="直接连接符 27"/>
+          <p:cNvCxnSpPr/>
+          <p:nvPr/>
+        </p:nvCxnSpPr>
+        <p:spPr>
+          <a:xfrm flipV="1">
+            <a:off x="9439275" y="5319395"/>
+            <a:ext cx="5800725" cy="1905"/>
+          </a:xfrm>
+          <a:prstGeom prst="line">
+            <a:avLst/>
+          </a:prstGeom>
+          <a:ln w="57150"/>
+        </p:spPr>
+        <p:style>
+          <a:lnRef idx="1">
+            <a:schemeClr val="accent1"/>
+          </a:lnRef>
+          <a:fillRef idx="0">
+            <a:schemeClr val="accent1"/>
+          </a:fillRef>
+          <a:effectRef idx="0">
+            <a:schemeClr val="accent1"/>
+          </a:effectRef>
+          <a:fontRef idx="minor">
+            <a:schemeClr val="tx1"/>
+          </a:fontRef>
+        </p:style>
+      </p:cxnSp>
+      <p:cxnSp>
+        <p:nvCxnSpPr>
+          <p:cNvPr id="29" name="直接连接符 28"/>
+          <p:cNvCxnSpPr/>
+          <p:nvPr/>
+        </p:nvCxnSpPr>
+        <p:spPr>
+          <a:xfrm flipV="1">
+            <a:off x="9439275" y="1053465"/>
+            <a:ext cx="5800725" cy="1905"/>
+          </a:xfrm>
+          <a:prstGeom prst="line">
+            <a:avLst/>
+          </a:prstGeom>
+          <a:ln w="57150"/>
+        </p:spPr>
+        <p:style>
+          <a:lnRef idx="1">
+            <a:schemeClr val="accent1"/>
+          </a:lnRef>
+          <a:fillRef idx="0">
+            <a:schemeClr val="accent1"/>
+          </a:fillRef>
+          <a:effectRef idx="0">
+            <a:schemeClr val="accent1"/>
+          </a:effectRef>
+          <a:fontRef idx="minor">
+            <a:schemeClr val="tx1"/>
+          </a:fontRef>
+        </p:style>
+      </p:cxnSp>
+      <p:cxnSp>
+        <p:nvCxnSpPr>
+          <p:cNvPr id="30" name="直接连接符 29"/>
+          <p:cNvCxnSpPr/>
+          <p:nvPr/>
+        </p:nvCxnSpPr>
+        <p:spPr>
+          <a:xfrm flipV="1">
+            <a:off x="9439275" y="6763385"/>
+            <a:ext cx="5800725" cy="1905"/>
+          </a:xfrm>
+          <a:prstGeom prst="line">
+            <a:avLst/>
+          </a:prstGeom>
+          <a:ln w="57150"/>
+        </p:spPr>
+        <p:style>
+          <a:lnRef idx="1">
+            <a:schemeClr val="accent1"/>
+          </a:lnRef>
+          <a:fillRef idx="0">
+            <a:schemeClr val="accent1"/>
+          </a:fillRef>
+          <a:effectRef idx="0">
+            <a:schemeClr val="accent1"/>
+          </a:effectRef>
+          <a:fontRef idx="minor">
+            <a:schemeClr val="tx1"/>
+          </a:fontRef>
+        </p:style>
+      </p:cxnSp>
+      <p:cxnSp>
+        <p:nvCxnSpPr>
+          <p:cNvPr id="31" name="直接连接符 30"/>
+          <p:cNvCxnSpPr/>
+          <p:nvPr/>
+        </p:nvCxnSpPr>
+        <p:spPr>
+          <a:xfrm flipV="1">
+            <a:off x="9439275" y="-405765"/>
+            <a:ext cx="5800725" cy="1905"/>
+          </a:xfrm>
+          <a:prstGeom prst="line">
+            <a:avLst/>
+          </a:prstGeom>
+          <a:ln w="57150"/>
+        </p:spPr>
+        <p:style>
+          <a:lnRef idx="1">
+            <a:schemeClr val="accent1"/>
+          </a:lnRef>
+          <a:fillRef idx="0">
+            <a:schemeClr val="accent1"/>
+          </a:fillRef>
+          <a:effectRef idx="0">
+            <a:schemeClr val="accent1"/>
+          </a:effectRef>
+          <a:fontRef idx="minor">
+            <a:schemeClr val="tx1"/>
+          </a:fontRef>
+        </p:style>
+      </p:cxnSp>
+      <p:cxnSp>
+        <p:nvCxnSpPr>
+          <p:cNvPr id="2" name="直接连接符 1"/>
+          <p:cNvCxnSpPr/>
+          <p:nvPr/>
+        </p:nvCxnSpPr>
+        <p:spPr>
+          <a:xfrm flipH="1">
+            <a:off x="6086475" y="-1714500"/>
+            <a:ext cx="15875" cy="552450"/>
+          </a:xfrm>
+          <a:prstGeom prst="line">
+            <a:avLst/>
+          </a:prstGeom>
+          <a:ln w="57150"/>
+        </p:spPr>
+        <p:style>
+          <a:lnRef idx="1">
+            <a:schemeClr val="accent1"/>
+          </a:lnRef>
+          <a:fillRef idx="0">
+            <a:schemeClr val="accent1"/>
+          </a:fillRef>
+          <a:effectRef idx="0">
+            <a:schemeClr val="accent1"/>
+          </a:effectRef>
+          <a:fontRef idx="minor">
+            <a:schemeClr val="tx1"/>
+          </a:fontRef>
+        </p:style>
+      </p:cxnSp>
+      <p:cxnSp>
+        <p:nvCxnSpPr>
+          <p:cNvPr id="3" name="直接连接符 2"/>
+          <p:cNvCxnSpPr/>
+          <p:nvPr/>
+        </p:nvCxnSpPr>
+        <p:spPr>
+          <a:xfrm flipH="1">
+            <a:off x="6070600" y="8020050"/>
+            <a:ext cx="15875" cy="552450"/>
+          </a:xfrm>
+          <a:prstGeom prst="line">
+            <a:avLst/>
+          </a:prstGeom>
+          <a:ln w="57150"/>
+        </p:spPr>
+        <p:style>
+          <a:lnRef idx="1">
+            <a:schemeClr val="accent1"/>
+          </a:lnRef>
+          <a:fillRef idx="0">
+            <a:schemeClr val="accent1"/>
+          </a:fillRef>
+          <a:effectRef idx="0">
+            <a:schemeClr val="accent1"/>
+          </a:effectRef>
+          <a:fontRef idx="minor">
+            <a:schemeClr val="tx1"/>
+          </a:fontRef>
+        </p:style>
+      </p:cxnSp>
+      <p:cxnSp>
+        <p:nvCxnSpPr>
+          <p:cNvPr id="4" name="直接连接符 3"/>
+          <p:cNvCxnSpPr/>
+          <p:nvPr/>
+        </p:nvCxnSpPr>
+        <p:spPr>
+          <a:xfrm flipH="1">
+            <a:off x="10651490" y="-1699260"/>
+            <a:ext cx="15875" cy="552450"/>
+          </a:xfrm>
+          <a:prstGeom prst="line">
+            <a:avLst/>
+          </a:prstGeom>
+          <a:ln w="57150"/>
+        </p:spPr>
+        <p:style>
+          <a:lnRef idx="1">
+            <a:schemeClr val="accent1"/>
+          </a:lnRef>
+          <a:fillRef idx="0">
+            <a:schemeClr val="accent1"/>
+          </a:fillRef>
+          <a:effectRef idx="0">
+            <a:schemeClr val="accent1"/>
+          </a:effectRef>
+          <a:fontRef idx="minor">
+            <a:schemeClr val="tx1"/>
+          </a:fontRef>
+        </p:style>
+      </p:cxnSp>
+      <p:cxnSp>
+        <p:nvCxnSpPr>
+          <p:cNvPr id="7" name="直接连接符 6"/>
+          <p:cNvCxnSpPr/>
+          <p:nvPr/>
+        </p:nvCxnSpPr>
+        <p:spPr>
+          <a:xfrm flipH="1">
+            <a:off x="1493520" y="-1699260"/>
+            <a:ext cx="15875" cy="552450"/>
+          </a:xfrm>
+          <a:prstGeom prst="line">
+            <a:avLst/>
+          </a:prstGeom>
+          <a:ln w="57150"/>
+        </p:spPr>
+        <p:style>
+          <a:lnRef idx="1">
+            <a:schemeClr val="accent1"/>
+          </a:lnRef>
+          <a:fillRef idx="0">
+            <a:schemeClr val="accent1"/>
+          </a:fillRef>
+          <a:effectRef idx="0">
+            <a:schemeClr val="accent1"/>
+          </a:effectRef>
+          <a:fontRef idx="minor">
+            <a:schemeClr val="tx1"/>
+          </a:fontRef>
+        </p:style>
+      </p:cxnSp>
+      <p:cxnSp>
+        <p:nvCxnSpPr>
+          <p:cNvPr id="8" name="直接连接符 7"/>
+          <p:cNvCxnSpPr/>
+          <p:nvPr/>
+        </p:nvCxnSpPr>
+        <p:spPr>
+          <a:xfrm flipH="1">
+            <a:off x="10635615" y="8020050"/>
+            <a:ext cx="15875" cy="552450"/>
+          </a:xfrm>
+          <a:prstGeom prst="line">
+            <a:avLst/>
+          </a:prstGeom>
+          <a:ln w="57150"/>
+        </p:spPr>
+        <p:style>
+          <a:lnRef idx="1">
+            <a:schemeClr val="accent1"/>
+          </a:lnRef>
+          <a:fillRef idx="0">
+            <a:schemeClr val="accent1"/>
+          </a:fillRef>
+          <a:effectRef idx="0">
+            <a:schemeClr val="accent1"/>
+          </a:effectRef>
+          <a:fontRef idx="minor">
+            <a:schemeClr val="tx1"/>
+          </a:fontRef>
+        </p:style>
+      </p:cxnSp>
+      <p:cxnSp>
+        <p:nvCxnSpPr>
+          <p:cNvPr id="9" name="直接连接符 8"/>
+          <p:cNvCxnSpPr/>
+          <p:nvPr/>
+        </p:nvCxnSpPr>
+        <p:spPr>
+          <a:xfrm flipH="1">
+            <a:off x="1505585" y="8020050"/>
+            <a:ext cx="15875" cy="552450"/>
+          </a:xfrm>
+          <a:prstGeom prst="line">
+            <a:avLst/>
+          </a:prstGeom>
+          <a:ln w="57150"/>
+        </p:spPr>
+        <p:style>
+          <a:lnRef idx="1">
+            <a:schemeClr val="accent1"/>
+          </a:lnRef>
+          <a:fillRef idx="0">
+            <a:schemeClr val="accent1"/>
+          </a:fillRef>
+          <a:effectRef idx="0">
+            <a:schemeClr val="accent1"/>
+          </a:effectRef>
+          <a:fontRef idx="minor">
+            <a:schemeClr val="tx1"/>
+          </a:fontRef>
+        </p:style>
+      </p:cxnSp>
+      <p:cxnSp>
+        <p:nvCxnSpPr>
+          <p:cNvPr id="6" name="直接连接符 5"/>
+          <p:cNvCxnSpPr/>
+          <p:nvPr/>
+        </p:nvCxnSpPr>
+        <p:spPr>
+          <a:xfrm flipH="1" flipV="1">
+            <a:off x="-3048000" y="852170"/>
+            <a:ext cx="294005" cy="5080"/>
+          </a:xfrm>
+          <a:prstGeom prst="line">
+            <a:avLst/>
+          </a:prstGeom>
+          <a:ln w="57150">
+            <a:solidFill>
+              <a:schemeClr val="bg2"/>
+            </a:solidFill>
+          </a:ln>
+        </p:spPr>
+        <p:style>
+          <a:lnRef idx="1">
+            <a:schemeClr val="accent1"/>
+          </a:lnRef>
+          <a:fillRef idx="0">
+            <a:schemeClr val="accent1"/>
+          </a:fillRef>
+          <a:effectRef idx="0">
+            <a:schemeClr val="accent1"/>
+          </a:effectRef>
+          <a:fontRef idx="minor">
+            <a:schemeClr val="tx1"/>
+          </a:fontRef>
+        </p:style>
+      </p:cxnSp>
+      <p:cxnSp>
+        <p:nvCxnSpPr>
+          <p:cNvPr id="10" name="直接连接符 9"/>
+          <p:cNvCxnSpPr/>
+          <p:nvPr/>
+        </p:nvCxnSpPr>
+        <p:spPr>
+          <a:xfrm flipH="1" flipV="1">
+            <a:off x="-3048000" y="5995670"/>
+            <a:ext cx="294005" cy="5080"/>
+          </a:xfrm>
+          <a:prstGeom prst="line">
+            <a:avLst/>
+          </a:prstGeom>
+          <a:ln w="57150">
+            <a:solidFill>
+              <a:schemeClr val="bg2"/>
+            </a:solidFill>
+          </a:ln>
+        </p:spPr>
+        <p:style>
+          <a:lnRef idx="1">
+            <a:schemeClr val="accent1"/>
+          </a:lnRef>
+          <a:fillRef idx="0">
+            <a:schemeClr val="accent1"/>
+          </a:fillRef>
+          <a:effectRef idx="0">
+            <a:schemeClr val="accent1"/>
+          </a:effectRef>
+          <a:fontRef idx="minor">
+            <a:schemeClr val="tx1"/>
+          </a:fontRef>
+        </p:style>
+      </p:cxnSp>
+      <p:cxnSp>
+        <p:nvCxnSpPr>
+          <p:cNvPr id="11" name="直接连接符 10"/>
+          <p:cNvCxnSpPr/>
+          <p:nvPr/>
+        </p:nvCxnSpPr>
+        <p:spPr>
+          <a:xfrm flipH="1" flipV="1">
+            <a:off x="-3048000" y="3423920"/>
+            <a:ext cx="294005" cy="5080"/>
+          </a:xfrm>
+          <a:prstGeom prst="line">
+            <a:avLst/>
+          </a:prstGeom>
+          <a:ln w="57150">
+            <a:solidFill>
+              <a:schemeClr val="bg2"/>
+            </a:solidFill>
+          </a:ln>
+        </p:spPr>
+        <p:style>
+          <a:lnRef idx="1">
+            <a:schemeClr val="accent1"/>
+          </a:lnRef>
+          <a:fillRef idx="0">
+            <a:schemeClr val="accent1"/>
+          </a:fillRef>
+          <a:effectRef idx="0">
+            <a:schemeClr val="accent1"/>
+          </a:effectRef>
+          <a:fontRef idx="minor">
+            <a:schemeClr val="tx1"/>
+          </a:fontRef>
+        </p:style>
+      </p:cxnSp>
+      <p:cxnSp>
+        <p:nvCxnSpPr>
+          <p:cNvPr id="13" name="直接连接符 12"/>
+          <p:cNvCxnSpPr/>
+          <p:nvPr/>
+        </p:nvCxnSpPr>
+        <p:spPr>
+          <a:xfrm flipH="1" flipV="1">
+            <a:off x="14930755" y="847090"/>
+            <a:ext cx="294005" cy="5080"/>
+          </a:xfrm>
+          <a:prstGeom prst="line">
+            <a:avLst/>
+          </a:prstGeom>
+          <a:ln w="57150">
+            <a:solidFill>
+              <a:schemeClr val="bg2"/>
+            </a:solidFill>
+          </a:ln>
+        </p:spPr>
+        <p:style>
+          <a:lnRef idx="1">
+            <a:schemeClr val="accent1"/>
+          </a:lnRef>
+          <a:fillRef idx="0">
+            <a:schemeClr val="accent1"/>
+          </a:fillRef>
+          <a:effectRef idx="0">
+            <a:schemeClr val="accent1"/>
+          </a:effectRef>
+          <a:fontRef idx="minor">
+            <a:schemeClr val="tx1"/>
+          </a:fontRef>
+        </p:style>
+      </p:cxnSp>
+      <p:cxnSp>
+        <p:nvCxnSpPr>
+          <p:cNvPr id="14" name="直接连接符 13"/>
+          <p:cNvCxnSpPr/>
+          <p:nvPr/>
+        </p:nvCxnSpPr>
+        <p:spPr>
+          <a:xfrm flipH="1" flipV="1">
+            <a:off x="14945995" y="3429000"/>
+            <a:ext cx="294005" cy="5080"/>
+          </a:xfrm>
+          <a:prstGeom prst="line">
+            <a:avLst/>
+          </a:prstGeom>
+          <a:ln w="57150">
+            <a:solidFill>
+              <a:schemeClr val="bg2"/>
+            </a:solidFill>
+          </a:ln>
+        </p:spPr>
+        <p:style>
+          <a:lnRef idx="1">
+            <a:schemeClr val="accent1"/>
+          </a:lnRef>
+          <a:fillRef idx="0">
+            <a:schemeClr val="accent1"/>
+          </a:fillRef>
+          <a:effectRef idx="0">
+            <a:schemeClr val="accent1"/>
+          </a:effectRef>
+          <a:fontRef idx="minor">
+            <a:schemeClr val="tx1"/>
+          </a:fontRef>
+        </p:style>
+      </p:cxnSp>
+      <p:cxnSp>
+        <p:nvCxnSpPr>
+          <p:cNvPr id="15" name="直接连接符 14"/>
+          <p:cNvCxnSpPr/>
+          <p:nvPr/>
+        </p:nvCxnSpPr>
+        <p:spPr>
+          <a:xfrm flipH="1" flipV="1">
+            <a:off x="14945995" y="6010910"/>
+            <a:ext cx="294005" cy="5080"/>
+          </a:xfrm>
+          <a:prstGeom prst="line">
+            <a:avLst/>
+          </a:prstGeom>
+          <a:ln w="57150">
+            <a:solidFill>
+              <a:schemeClr val="bg2"/>
+            </a:solidFill>
+          </a:ln>
+        </p:spPr>
+        <p:style>
+          <a:lnRef idx="1">
+            <a:schemeClr val="accent1"/>
+          </a:lnRef>
+          <a:fillRef idx="0">
+            <a:schemeClr val="accent1"/>
+          </a:fillRef>
+          <a:effectRef idx="0">
+            <a:schemeClr val="accent1"/>
+          </a:effectRef>
+          <a:fontRef idx="minor">
+            <a:schemeClr val="tx1"/>
+          </a:fontRef>
+        </p:style>
+      </p:cxnSp>
+    </p:spTree>
+    <p:custDataLst>
+      <p:tags r:id="rId2"/>
+    </p:custDataLst>
+  </p:cSld>
+  <p:clrMapOvr>
+    <a:masterClrMapping/>
+  </p:clrMapOvr>
+</p:sld>
+</file>
+
 <file path=ppt/tags/tag1.xml><?xml version="1.0" encoding="utf-8"?>
 <p:tagLst xmlns:p="http://schemas.openxmlformats.org/presentationml/2006/main">
   <p:tag name="KSO_WM_UNIT_HIGHLIGHT" val="0"/>
@@ -5784,6 +7019,28 @@
   <p:tag name="KSO_WM_TEMPLATE_INDEX" val="20187308"/>
   <p:tag name="KSO_WM_SLIDE_LAYOUT" val="a_b"/>
   <p:tag name="KSO_WM_SLIDE_LAYOUT_CNT" val="1_1"/>
+</p:tagLst>
+</file>
+
+<file path=ppt/tags/tag63.xml><?xml version="1.0" encoding="utf-8"?>
+<p:tagLst xmlns:p="http://schemas.openxmlformats.org/presentationml/2006/main">
+  <p:tag name="KSO_WM_BEAUTIFY_FLAG" val="#wm#"/>
+  <p:tag name="KSO_WM_TEMPLATE_CATEGORY" val="custom"/>
+  <p:tag name="KSO_WM_TEMPLATE_INDEX" val="20187308"/>
+</p:tagLst>
+</file>
+
+<file path=ppt/tags/tag64.xml><?xml version="1.0" encoding="utf-8"?>
+<p:tagLst xmlns:p="http://schemas.openxmlformats.org/presentationml/2006/main">
+  <p:tag name="KSO_WM_BEAUTIFY_FLAG" val="#wm#"/>
+  <p:tag name="KSO_WM_TEMPLATE_CATEGORY" val="custom"/>
+  <p:tag name="KSO_WM_TEMPLATE_INDEX" val="20187308"/>
+</p:tagLst>
+</file>
+
+<file path=ppt/tags/tag65.xml><?xml version="1.0" encoding="utf-8"?>
+<p:tagLst xmlns:p="http://schemas.openxmlformats.org/presentationml/2006/main">
+  <p:tag name="COMMONDATA" val="eyJoZGlkIjoiYjdiOWE3M2RjNWZiY2JjMTA3Y2NmMjMxNDFlMGQ0YTcifQ=="/>
 </p:tagLst>
 </file>
 

--- a/Leon-Office/桌面背景.pptx
+++ b/Leon-Office/桌面背景.pptx
@@ -8,10 +8,12 @@
     <p:notesMasterId r:id="rId4"/>
   </p:notesMasterIdLst>
   <p:handoutMasterIdLst>
-    <p:handoutMasterId r:id="rId5"/>
+    <p:handoutMasterId r:id="rId7"/>
   </p:handoutMasterIdLst>
   <p:sldIdLst>
     <p:sldId id="256" r:id="rId3"/>
+    <p:sldId id="257" r:id="rId5"/>
+    <p:sldId id="258" r:id="rId6"/>
   </p:sldIdLst>
   <p:sldSz cx="12192000" cy="6858000"/>
   <p:notesSz cx="6858000" cy="9144000"/>
@@ -649,6 +651,84 @@
 </file>
 
 <file path=ppt/notesSlides/notesSlide1.xml><?xml version="1.0" encoding="utf-8"?>
+<p:notes xmlns:a="http://schemas.openxmlformats.org/drawingml/2006/main" xmlns:r="http://schemas.openxmlformats.org/officeDocument/2006/relationships" xmlns:p="http://schemas.openxmlformats.org/presentationml/2006/main">
+  <p:cSld>
+    <p:spTree>
+      <p:nvGrpSpPr>
+        <p:cNvPr id="1" name=""/>
+        <p:cNvGrpSpPr/>
+        <p:nvPr/>
+      </p:nvGrpSpPr>
+      <p:grpSpPr>
+        <a:xfrm>
+          <a:off x="0" y="0"/>
+          <a:ext cx="0" cy="0"/>
+          <a:chOff x="0" y="0"/>
+          <a:chExt cx="0" cy="0"/>
+        </a:xfrm>
+      </p:grpSpPr>
+      <p:sp>
+        <p:nvSpPr>
+          <p:cNvPr id="2" name="幻灯片图像占位符 1"/>
+          <p:cNvSpPr>
+            <a:spLocks noGrp="1" noRot="1" noChangeAspect="1"/>
+          </p:cNvSpPr>
+          <p:nvPr>
+            <p:ph type="sldImg"/>
+          </p:nvPr>
+        </p:nvSpPr>
+        <p:spPr/>
+      </p:sp>
+      <p:sp>
+        <p:nvSpPr>
+          <p:cNvPr id="3" name="备注占位符 2"/>
+          <p:cNvSpPr>
+            <a:spLocks noGrp="1"/>
+          </p:cNvSpPr>
+          <p:nvPr>
+            <p:ph type="body" idx="1"/>
+          </p:nvPr>
+        </p:nvSpPr>
+        <p:spPr/>
+        <p:txBody>
+          <a:bodyPr/>
+          <a:lstStyle/>
+          <a:p>
+            <a:endParaRPr lang="zh-CN" altLang="en-US"/>
+          </a:p>
+        </p:txBody>
+      </p:sp>
+      <p:sp>
+        <p:nvSpPr>
+          <p:cNvPr id="4" name="灯片编号占位符 3"/>
+          <p:cNvSpPr>
+            <a:spLocks noGrp="1"/>
+          </p:cNvSpPr>
+          <p:nvPr>
+            <p:ph type="sldNum" sz="quarter" idx="10"/>
+          </p:nvPr>
+        </p:nvSpPr>
+        <p:spPr/>
+        <p:txBody>
+          <a:bodyPr/>
+          <a:lstStyle/>
+          <a:p>
+            <a:fld id="{85D0DACE-38E0-42D2-9336-2B707D34BC6D}" type="slidenum">
+              <a:rPr lang="zh-CN" altLang="en-US" smtClean="0"/>
+            </a:fld>
+            <a:endParaRPr lang="zh-CN" altLang="en-US"/>
+          </a:p>
+        </p:txBody>
+      </p:sp>
+    </p:spTree>
+  </p:cSld>
+  <p:clrMapOvr>
+    <a:masterClrMapping/>
+  </p:clrMapOvr>
+</p:notes>
+</file>
+
+<file path=ppt/notesSlides/notesSlide2.xml><?xml version="1.0" encoding="utf-8"?>
 <p:notes xmlns:a="http://schemas.openxmlformats.org/drawingml/2006/main" xmlns:r="http://schemas.openxmlformats.org/officeDocument/2006/relationships" xmlns:p="http://schemas.openxmlformats.org/presentationml/2006/main">
   <p:cSld>
     <p:spTree>
@@ -5013,6 +5093,452 @@
 </p:sld>
 </file>
 
+<file path=ppt/slides/slide2.xml><?xml version="1.0" encoding="utf-8"?>
+<p:sld xmlns:a="http://schemas.openxmlformats.org/drawingml/2006/main" xmlns:r="http://schemas.openxmlformats.org/officeDocument/2006/relationships" xmlns:p="http://schemas.openxmlformats.org/presentationml/2006/main">
+  <p:cSld>
+    <p:spTree>
+      <p:nvGrpSpPr>
+        <p:cNvPr id="1" name=""/>
+        <p:cNvGrpSpPr/>
+        <p:nvPr/>
+      </p:nvGrpSpPr>
+      <p:grpSpPr>
+        <a:xfrm>
+          <a:off x="0" y="0"/>
+          <a:ext cx="0" cy="0"/>
+          <a:chOff x="0" y="0"/>
+          <a:chExt cx="0" cy="0"/>
+        </a:xfrm>
+      </p:grpSpPr>
+      <p:pic>
+        <p:nvPicPr>
+          <p:cNvPr id="9" name="图片 8" descr="back"/>
+          <p:cNvPicPr>
+            <a:picLocks noChangeAspect="1"/>
+          </p:cNvPicPr>
+          <p:nvPr/>
+        </p:nvPicPr>
+        <p:blipFill>
+          <a:blip r:embed="rId1"/>
+          <a:stretch>
+            <a:fillRect/>
+          </a:stretch>
+        </p:blipFill>
+        <p:spPr>
+          <a:xfrm>
+            <a:off x="-3427730" y="106680"/>
+            <a:ext cx="15027910" cy="8460105"/>
+          </a:xfrm>
+          <a:prstGeom prst="rect">
+            <a:avLst/>
+          </a:prstGeom>
+        </p:spPr>
+      </p:pic>
+      <p:cxnSp>
+        <p:nvCxnSpPr>
+          <p:cNvPr id="10" name="直接连接符 9"/>
+          <p:cNvCxnSpPr/>
+          <p:nvPr/>
+        </p:nvCxnSpPr>
+        <p:spPr>
+          <a:xfrm flipV="1">
+            <a:off x="-3427730" y="1099185"/>
+            <a:ext cx="7496175" cy="19685"/>
+          </a:xfrm>
+          <a:prstGeom prst="line">
+            <a:avLst/>
+          </a:prstGeom>
+          <a:ln w="57150"/>
+        </p:spPr>
+        <p:style>
+          <a:lnRef idx="1">
+            <a:schemeClr val="accent1"/>
+          </a:lnRef>
+          <a:fillRef idx="0">
+            <a:schemeClr val="accent1"/>
+          </a:fillRef>
+          <a:effectRef idx="0">
+            <a:schemeClr val="accent1"/>
+          </a:effectRef>
+          <a:fontRef idx="minor">
+            <a:schemeClr val="tx1"/>
+          </a:fontRef>
+        </p:style>
+      </p:cxnSp>
+      <p:cxnSp>
+        <p:nvCxnSpPr>
+          <p:cNvPr id="12" name="直接连接符 11"/>
+          <p:cNvCxnSpPr/>
+          <p:nvPr/>
+        </p:nvCxnSpPr>
+        <p:spPr>
+          <a:xfrm flipV="1">
+            <a:off x="-3427730" y="2367280"/>
+            <a:ext cx="7496175" cy="19685"/>
+          </a:xfrm>
+          <a:prstGeom prst="line">
+            <a:avLst/>
+          </a:prstGeom>
+          <a:ln w="57150"/>
+        </p:spPr>
+        <p:style>
+          <a:lnRef idx="1">
+            <a:schemeClr val="accent1"/>
+          </a:lnRef>
+          <a:fillRef idx="0">
+            <a:schemeClr val="accent1"/>
+          </a:fillRef>
+          <a:effectRef idx="0">
+            <a:schemeClr val="accent1"/>
+          </a:effectRef>
+          <a:fontRef idx="minor">
+            <a:schemeClr val="tx1"/>
+          </a:fontRef>
+        </p:style>
+      </p:cxnSp>
+      <p:cxnSp>
+        <p:nvCxnSpPr>
+          <p:cNvPr id="13" name="直接连接符 12"/>
+          <p:cNvCxnSpPr/>
+          <p:nvPr/>
+        </p:nvCxnSpPr>
+        <p:spPr>
+          <a:xfrm flipV="1">
+            <a:off x="-3427730" y="3646170"/>
+            <a:ext cx="7496175" cy="19685"/>
+          </a:xfrm>
+          <a:prstGeom prst="line">
+            <a:avLst/>
+          </a:prstGeom>
+          <a:ln w="57150"/>
+        </p:spPr>
+        <p:style>
+          <a:lnRef idx="1">
+            <a:schemeClr val="accent1"/>
+          </a:lnRef>
+          <a:fillRef idx="0">
+            <a:schemeClr val="accent1"/>
+          </a:fillRef>
+          <a:effectRef idx="0">
+            <a:schemeClr val="accent1"/>
+          </a:effectRef>
+          <a:fontRef idx="minor">
+            <a:schemeClr val="tx1"/>
+          </a:fontRef>
+        </p:style>
+      </p:cxnSp>
+      <p:cxnSp>
+        <p:nvCxnSpPr>
+          <p:cNvPr id="14" name="直接连接符 13"/>
+          <p:cNvCxnSpPr/>
+          <p:nvPr/>
+        </p:nvCxnSpPr>
+        <p:spPr>
+          <a:xfrm flipV="1">
+            <a:off x="-3427730" y="4911725"/>
+            <a:ext cx="7496175" cy="19685"/>
+          </a:xfrm>
+          <a:prstGeom prst="line">
+            <a:avLst/>
+          </a:prstGeom>
+          <a:ln w="57150"/>
+        </p:spPr>
+        <p:style>
+          <a:lnRef idx="1">
+            <a:schemeClr val="accent1"/>
+          </a:lnRef>
+          <a:fillRef idx="0">
+            <a:schemeClr val="accent1"/>
+          </a:fillRef>
+          <a:effectRef idx="0">
+            <a:schemeClr val="accent1"/>
+          </a:effectRef>
+          <a:fontRef idx="minor">
+            <a:schemeClr val="tx1"/>
+          </a:fontRef>
+        </p:style>
+      </p:cxnSp>
+      <p:cxnSp>
+        <p:nvCxnSpPr>
+          <p:cNvPr id="15" name="直接连接符 14"/>
+          <p:cNvCxnSpPr/>
+          <p:nvPr/>
+        </p:nvCxnSpPr>
+        <p:spPr>
+          <a:xfrm flipV="1">
+            <a:off x="-3427730" y="6177280"/>
+            <a:ext cx="7496175" cy="19685"/>
+          </a:xfrm>
+          <a:prstGeom prst="line">
+            <a:avLst/>
+          </a:prstGeom>
+          <a:ln w="57150"/>
+        </p:spPr>
+        <p:style>
+          <a:lnRef idx="1">
+            <a:schemeClr val="accent1"/>
+          </a:lnRef>
+          <a:fillRef idx="0">
+            <a:schemeClr val="accent1"/>
+          </a:fillRef>
+          <a:effectRef idx="0">
+            <a:schemeClr val="accent1"/>
+          </a:effectRef>
+          <a:fontRef idx="minor">
+            <a:schemeClr val="tx1"/>
+          </a:fontRef>
+        </p:style>
+      </p:cxnSp>
+      <p:cxnSp>
+        <p:nvCxnSpPr>
+          <p:cNvPr id="2" name="直接连接符 1"/>
+          <p:cNvCxnSpPr/>
+          <p:nvPr/>
+        </p:nvCxnSpPr>
+        <p:spPr>
+          <a:xfrm>
+            <a:off x="6686550" y="4899025"/>
+            <a:ext cx="4913630" cy="12700"/>
+          </a:xfrm>
+          <a:prstGeom prst="line">
+            <a:avLst/>
+          </a:prstGeom>
+          <a:ln w="57150"/>
+        </p:spPr>
+        <p:style>
+          <a:lnRef idx="1">
+            <a:schemeClr val="accent1"/>
+          </a:lnRef>
+          <a:fillRef idx="0">
+            <a:schemeClr val="accent1"/>
+          </a:fillRef>
+          <a:effectRef idx="0">
+            <a:schemeClr val="accent1"/>
+          </a:effectRef>
+          <a:fontRef idx="minor">
+            <a:schemeClr val="tx1"/>
+          </a:fontRef>
+        </p:style>
+      </p:cxnSp>
+      <p:cxnSp>
+        <p:nvCxnSpPr>
+          <p:cNvPr id="3" name="直接连接符 2"/>
+          <p:cNvCxnSpPr/>
+          <p:nvPr/>
+        </p:nvCxnSpPr>
+        <p:spPr>
+          <a:xfrm>
+            <a:off x="6686550" y="2354580"/>
+            <a:ext cx="4913630" cy="12700"/>
+          </a:xfrm>
+          <a:prstGeom prst="line">
+            <a:avLst/>
+          </a:prstGeom>
+          <a:ln w="57150"/>
+        </p:spPr>
+        <p:style>
+          <a:lnRef idx="1">
+            <a:schemeClr val="accent1"/>
+          </a:lnRef>
+          <a:fillRef idx="0">
+            <a:schemeClr val="accent1"/>
+          </a:fillRef>
+          <a:effectRef idx="0">
+            <a:schemeClr val="accent1"/>
+          </a:effectRef>
+          <a:fontRef idx="minor">
+            <a:schemeClr val="tx1"/>
+          </a:fontRef>
+        </p:style>
+      </p:cxnSp>
+      <p:cxnSp>
+        <p:nvCxnSpPr>
+          <p:cNvPr id="4" name="直接连接符 3"/>
+          <p:cNvCxnSpPr/>
+          <p:nvPr/>
+        </p:nvCxnSpPr>
+        <p:spPr>
+          <a:xfrm flipV="1">
+            <a:off x="5749925" y="3646170"/>
+            <a:ext cx="5850255" cy="17780"/>
+          </a:xfrm>
+          <a:prstGeom prst="line">
+            <a:avLst/>
+          </a:prstGeom>
+          <a:ln w="101600"/>
+        </p:spPr>
+        <p:style>
+          <a:lnRef idx="1">
+            <a:schemeClr val="accent1"/>
+          </a:lnRef>
+          <a:fillRef idx="0">
+            <a:schemeClr val="accent1"/>
+          </a:fillRef>
+          <a:effectRef idx="0">
+            <a:schemeClr val="accent1"/>
+          </a:effectRef>
+          <a:fontRef idx="minor">
+            <a:schemeClr val="tx1"/>
+          </a:fontRef>
+        </p:style>
+      </p:cxnSp>
+      <p:cxnSp>
+        <p:nvCxnSpPr>
+          <p:cNvPr id="6" name="直接连接符 5"/>
+          <p:cNvCxnSpPr/>
+          <p:nvPr/>
+        </p:nvCxnSpPr>
+        <p:spPr>
+          <a:xfrm>
+            <a:off x="6686550" y="1099185"/>
+            <a:ext cx="4913630" cy="12700"/>
+          </a:xfrm>
+          <a:prstGeom prst="line">
+            <a:avLst/>
+          </a:prstGeom>
+          <a:ln w="57150"/>
+        </p:spPr>
+        <p:style>
+          <a:lnRef idx="1">
+            <a:schemeClr val="accent1"/>
+          </a:lnRef>
+          <a:fillRef idx="0">
+            <a:schemeClr val="accent1"/>
+          </a:fillRef>
+          <a:effectRef idx="0">
+            <a:schemeClr val="accent1"/>
+          </a:effectRef>
+          <a:fontRef idx="minor">
+            <a:schemeClr val="tx1"/>
+          </a:fontRef>
+        </p:style>
+      </p:cxnSp>
+      <p:cxnSp>
+        <p:nvCxnSpPr>
+          <p:cNvPr id="7" name="直接连接符 6"/>
+          <p:cNvCxnSpPr/>
+          <p:nvPr/>
+        </p:nvCxnSpPr>
+        <p:spPr>
+          <a:xfrm>
+            <a:off x="6686550" y="6164580"/>
+            <a:ext cx="4913630" cy="12700"/>
+          </a:xfrm>
+          <a:prstGeom prst="line">
+            <a:avLst/>
+          </a:prstGeom>
+          <a:ln w="57150"/>
+        </p:spPr>
+        <p:style>
+          <a:lnRef idx="1">
+            <a:schemeClr val="accent1"/>
+          </a:lnRef>
+          <a:fillRef idx="0">
+            <a:schemeClr val="accent1"/>
+          </a:fillRef>
+          <a:effectRef idx="0">
+            <a:schemeClr val="accent1"/>
+          </a:effectRef>
+          <a:fontRef idx="minor">
+            <a:schemeClr val="tx1"/>
+          </a:fontRef>
+        </p:style>
+      </p:cxnSp>
+    </p:spTree>
+    <p:custDataLst>
+      <p:tags r:id="rId2"/>
+    </p:custDataLst>
+  </p:cSld>
+  <p:clrMapOvr>
+    <a:masterClrMapping/>
+  </p:clrMapOvr>
+</p:sld>
+</file>
+
+<file path=ppt/slides/slide3.xml><?xml version="1.0" encoding="utf-8"?>
+<p:sld xmlns:a="http://schemas.openxmlformats.org/drawingml/2006/main" xmlns:r="http://schemas.openxmlformats.org/officeDocument/2006/relationships" xmlns:p="http://schemas.openxmlformats.org/presentationml/2006/main">
+  <p:cSld>
+    <p:spTree>
+      <p:nvGrpSpPr>
+        <p:cNvPr id="1" name=""/>
+        <p:cNvGrpSpPr/>
+        <p:nvPr/>
+      </p:nvGrpSpPr>
+      <p:grpSpPr/>
+      <p:sp>
+        <p:nvSpPr>
+          <p:cNvPr id="10" name="矩形 9"/>
+          <p:cNvSpPr/>
+          <p:nvPr/>
+        </p:nvSpPr>
+        <p:spPr>
+          <a:xfrm>
+            <a:off x="2731770" y="2806065"/>
+            <a:ext cx="3674745" cy="2496820"/>
+          </a:xfrm>
+          <a:prstGeom prst="rect">
+            <a:avLst/>
+          </a:prstGeom>
+        </p:spPr>
+        <p:style>
+          <a:lnRef idx="2">
+            <a:schemeClr val="accent1">
+              <a:shade val="50000"/>
+            </a:schemeClr>
+          </a:lnRef>
+          <a:fillRef idx="1">
+            <a:schemeClr val="accent1"/>
+          </a:fillRef>
+          <a:effectRef idx="0">
+            <a:schemeClr val="accent1"/>
+          </a:effectRef>
+          <a:fontRef idx="minor">
+            <a:schemeClr val="lt1"/>
+          </a:fontRef>
+        </p:style>
+        <p:txBody>
+          <a:bodyPr rtlCol="0" anchor="ctr"/>
+          <a:p>
+            <a:pPr algn="ctr"/>
+            <a:endParaRPr lang="zh-CN" altLang="en-US"/>
+          </a:p>
+        </p:txBody>
+      </p:sp>
+      <p:pic>
+        <p:nvPicPr>
+          <p:cNvPr id="4" name="图片 3" descr="back_2"/>
+          <p:cNvPicPr>
+            <a:picLocks noChangeAspect="1"/>
+          </p:cNvPicPr>
+          <p:nvPr/>
+        </p:nvPicPr>
+        <p:blipFill>
+          <a:blip r:embed="rId1"/>
+          <a:stretch>
+            <a:fillRect/>
+          </a:stretch>
+        </p:blipFill>
+        <p:spPr>
+          <a:xfrm>
+            <a:off x="2807970" y="2875915"/>
+            <a:ext cx="3522980" cy="2348865"/>
+          </a:xfrm>
+          <a:prstGeom prst="rect">
+            <a:avLst/>
+          </a:prstGeom>
+        </p:spPr>
+      </p:pic>
+    </p:spTree>
+    <p:custDataLst>
+      <p:tags r:id="rId2"/>
+    </p:custDataLst>
+  </p:cSld>
+  <p:clrMapOvr>
+    <a:masterClrMapping/>
+  </p:clrMapOvr>
+</p:sld>
+</file>
+
 <file path=ppt/tags/tag1.xml><?xml version="1.0" encoding="utf-8"?>
 <p:tagLst xmlns:p="http://schemas.openxmlformats.org/presentationml/2006/main">
   <p:tag name="KSO_WM_UNIT_HIGHLIGHT" val="0"/>
@@ -5784,6 +6310,32 @@
   <p:tag name="KSO_WM_TEMPLATE_INDEX" val="20187308"/>
   <p:tag name="KSO_WM_SLIDE_LAYOUT" val="a_b"/>
   <p:tag name="KSO_WM_SLIDE_LAYOUT_CNT" val="1_1"/>
+</p:tagLst>
+</file>
+
+<file path=ppt/tags/tag63.xml><?xml version="1.0" encoding="utf-8"?>
+<p:tagLst xmlns:p="http://schemas.openxmlformats.org/presentationml/2006/main">
+  <p:tag name="KSO_WM_TEMPLATE_THUMBS_INDEX" val="1"/>
+  <p:tag name="KSO_WM_SLIDE_ID" val="custom20187308_1"/>
+  <p:tag name="KSO_WM_TEMPLATE_SUBCATEGORY" val="0"/>
+  <p:tag name="KSO_WM_SLIDE_TYPE" val="title"/>
+  <p:tag name="KSO_WM_SLIDE_SUBTYPE" val="defaultBlank"/>
+  <p:tag name="KSO_WM_SLIDE_ITEM_CNT" val="0"/>
+  <p:tag name="KSO_WM_SLIDE_INDEX" val="1"/>
+  <p:tag name="KSO_WM_TAG_VERSION" val="1.0"/>
+  <p:tag name="KSO_WM_BEAUTIFY_FLAG" val="#wm#"/>
+  <p:tag name="KSO_WM_TEMPLATE_CATEGORY" val="custom"/>
+  <p:tag name="KSO_WM_TEMPLATE_INDEX" val="20187308"/>
+  <p:tag name="KSO_WM_SLIDE_LAYOUT" val="a_b"/>
+  <p:tag name="KSO_WM_SLIDE_LAYOUT_CNT" val="1_1"/>
+</p:tagLst>
+</file>
+
+<file path=ppt/tags/tag64.xml><?xml version="1.0" encoding="utf-8"?>
+<p:tagLst xmlns:p="http://schemas.openxmlformats.org/presentationml/2006/main">
+  <p:tag name="KSO_WM_BEAUTIFY_FLAG" val="#wm#"/>
+  <p:tag name="KSO_WM_TEMPLATE_CATEGORY" val="custom"/>
+  <p:tag name="KSO_WM_TEMPLATE_INDEX" val="20187308"/>
 </p:tagLst>
 </file>
 
